--- a/图/第三章-优化分析/大文件传输.pptx
+++ b/图/第三章-优化分析/大文件传输.pptx
@@ -6,6 +6,7 @@
   </p:sldMasterIdLst>
   <p:sldIdLst>
     <p:sldId id="256" r:id="rId2"/>
+    <p:sldId id="257" r:id="rId3"/>
   </p:sldIdLst>
   <p:sldSz cx="12192000" cy="6858000"/>
   <p:notesSz cx="6858000" cy="9144000"/>
@@ -104,6 +105,11 @@
       </a:defRPr>
     </a:lvl9pPr>
   </p:defaultTextStyle>
+  <p:extLst>
+    <p:ext uri="{EFAFB233-063F-42B5-8137-9DF3F51BA10A}">
+      <p15:sldGuideLst xmlns:p15="http://schemas.microsoft.com/office/powerpoint/2012/main"/>
+    </p:ext>
+  </p:extLst>
 </p:presentation>
 </file>
 
@@ -238,7 +244,7 @@
           <a:p>
             <a:fld id="{E6A7ECF8-7CDE-4111-9C5F-BCF7837017AF}" type="datetimeFigureOut">
               <a:rPr lang="zh-CN" altLang="en-US" smtClean="0"/>
-              <a:t>2017/7/21</a:t>
+              <a:t>2017/8/6</a:t>
             </a:fld>
             <a:endParaRPr lang="zh-CN" altLang="en-US"/>
           </a:p>
@@ -408,7 +414,7 @@
           <a:p>
             <a:fld id="{E6A7ECF8-7CDE-4111-9C5F-BCF7837017AF}" type="datetimeFigureOut">
               <a:rPr lang="zh-CN" altLang="en-US" smtClean="0"/>
-              <a:t>2017/7/21</a:t>
+              <a:t>2017/8/6</a:t>
             </a:fld>
             <a:endParaRPr lang="zh-CN" altLang="en-US"/>
           </a:p>
@@ -588,7 +594,7 @@
           <a:p>
             <a:fld id="{E6A7ECF8-7CDE-4111-9C5F-BCF7837017AF}" type="datetimeFigureOut">
               <a:rPr lang="zh-CN" altLang="en-US" smtClean="0"/>
-              <a:t>2017/7/21</a:t>
+              <a:t>2017/8/6</a:t>
             </a:fld>
             <a:endParaRPr lang="zh-CN" altLang="en-US"/>
           </a:p>
@@ -758,7 +764,7 @@
           <a:p>
             <a:fld id="{E6A7ECF8-7CDE-4111-9C5F-BCF7837017AF}" type="datetimeFigureOut">
               <a:rPr lang="zh-CN" altLang="en-US" smtClean="0"/>
-              <a:t>2017/7/21</a:t>
+              <a:t>2017/8/6</a:t>
             </a:fld>
             <a:endParaRPr lang="zh-CN" altLang="en-US"/>
           </a:p>
@@ -1004,7 +1010,7 @@
           <a:p>
             <a:fld id="{E6A7ECF8-7CDE-4111-9C5F-BCF7837017AF}" type="datetimeFigureOut">
               <a:rPr lang="zh-CN" altLang="en-US" smtClean="0"/>
-              <a:t>2017/7/21</a:t>
+              <a:t>2017/8/6</a:t>
             </a:fld>
             <a:endParaRPr lang="zh-CN" altLang="en-US"/>
           </a:p>
@@ -1236,7 +1242,7 @@
           <a:p>
             <a:fld id="{E6A7ECF8-7CDE-4111-9C5F-BCF7837017AF}" type="datetimeFigureOut">
               <a:rPr lang="zh-CN" altLang="en-US" smtClean="0"/>
-              <a:t>2017/7/21</a:t>
+              <a:t>2017/8/6</a:t>
             </a:fld>
             <a:endParaRPr lang="zh-CN" altLang="en-US"/>
           </a:p>
@@ -1603,7 +1609,7 @@
           <a:p>
             <a:fld id="{E6A7ECF8-7CDE-4111-9C5F-BCF7837017AF}" type="datetimeFigureOut">
               <a:rPr lang="zh-CN" altLang="en-US" smtClean="0"/>
-              <a:t>2017/7/21</a:t>
+              <a:t>2017/8/6</a:t>
             </a:fld>
             <a:endParaRPr lang="zh-CN" altLang="en-US"/>
           </a:p>
@@ -1721,7 +1727,7 @@
           <a:p>
             <a:fld id="{E6A7ECF8-7CDE-4111-9C5F-BCF7837017AF}" type="datetimeFigureOut">
               <a:rPr lang="zh-CN" altLang="en-US" smtClean="0"/>
-              <a:t>2017/7/21</a:t>
+              <a:t>2017/8/6</a:t>
             </a:fld>
             <a:endParaRPr lang="zh-CN" altLang="en-US"/>
           </a:p>
@@ -1816,7 +1822,7 @@
           <a:p>
             <a:fld id="{E6A7ECF8-7CDE-4111-9C5F-BCF7837017AF}" type="datetimeFigureOut">
               <a:rPr lang="zh-CN" altLang="en-US" smtClean="0"/>
-              <a:t>2017/7/21</a:t>
+              <a:t>2017/8/6</a:t>
             </a:fld>
             <a:endParaRPr lang="zh-CN" altLang="en-US"/>
           </a:p>
@@ -2093,7 +2099,7 @@
           <a:p>
             <a:fld id="{E6A7ECF8-7CDE-4111-9C5F-BCF7837017AF}" type="datetimeFigureOut">
               <a:rPr lang="zh-CN" altLang="en-US" smtClean="0"/>
-              <a:t>2017/7/21</a:t>
+              <a:t>2017/8/6</a:t>
             </a:fld>
             <a:endParaRPr lang="zh-CN" altLang="en-US"/>
           </a:p>
@@ -2346,7 +2352,7 @@
           <a:p>
             <a:fld id="{E6A7ECF8-7CDE-4111-9C5F-BCF7837017AF}" type="datetimeFigureOut">
               <a:rPr lang="zh-CN" altLang="en-US" smtClean="0"/>
-              <a:t>2017/7/21</a:t>
+              <a:t>2017/8/6</a:t>
             </a:fld>
             <a:endParaRPr lang="zh-CN" altLang="en-US"/>
           </a:p>
@@ -2559,7 +2565,7 @@
           <a:p>
             <a:fld id="{E6A7ECF8-7CDE-4111-9C5F-BCF7837017AF}" type="datetimeFigureOut">
               <a:rPr lang="zh-CN" altLang="en-US" smtClean="0"/>
-              <a:t>2017/7/21</a:t>
+              <a:t>2017/8/6</a:t>
             </a:fld>
             <a:endParaRPr lang="zh-CN" altLang="en-US"/>
           </a:p>
@@ -3789,6 +3795,166 @@
 </p:sld>
 </file>
 
+<file path=ppt/slides/slide2.xml><?xml version="1.0" encoding="utf-8"?>
+<p:sld xmlns:a="http://schemas.openxmlformats.org/drawingml/2006/main" xmlns:r="http://schemas.openxmlformats.org/officeDocument/2006/relationships" xmlns:p="http://schemas.openxmlformats.org/presentationml/2006/main">
+  <p:cSld>
+    <p:spTree>
+      <p:nvGrpSpPr>
+        <p:cNvPr id="1" name=""/>
+        <p:cNvGrpSpPr/>
+        <p:nvPr/>
+      </p:nvGrpSpPr>
+      <p:grpSpPr>
+        <a:xfrm>
+          <a:off x="0" y="0"/>
+          <a:ext cx="0" cy="0"/>
+          <a:chOff x="0" y="0"/>
+          <a:chExt cx="0" cy="0"/>
+        </a:xfrm>
+      </p:grpSpPr>
+      <p:sp>
+        <p:nvSpPr>
+          <p:cNvPr id="5" name="Rectangle 2"/>
+          <p:cNvSpPr>
+            <a:spLocks noChangeArrowheads="1"/>
+          </p:cNvSpPr>
+          <p:nvPr/>
+        </p:nvSpPr>
+        <p:spPr bwMode="auto">
+          <a:xfrm>
+            <a:off x="0" y="0"/>
+            <a:ext cx="12192000" cy="0"/>
+          </a:xfrm>
+          <a:prstGeom prst="rect">
+            <a:avLst/>
+          </a:prstGeom>
+          <a:noFill/>
+          <a:ln>
+            <a:noFill/>
+          </a:ln>
+          <a:effectLst/>
+          <a:extLst>
+            <a:ext uri="{909E8E84-426E-40DD-AFC4-6F175D3DCCD1}">
+              <a14:hiddenFill xmlns:a14="http://schemas.microsoft.com/office/drawing/2010/main">
+                <a:solidFill>
+                  <a:schemeClr val="accent1"/>
+                </a:solidFill>
+              </a14:hiddenFill>
+            </a:ext>
+            <a:ext uri="{91240B29-F687-4F45-9708-019B960494DF}">
+              <a14:hiddenLine xmlns:a14="http://schemas.microsoft.com/office/drawing/2010/main" w="9525">
+                <a:solidFill>
+                  <a:schemeClr val="tx1"/>
+                </a:solidFill>
+                <a:miter lim="800000"/>
+                <a:headEnd/>
+                <a:tailEnd/>
+              </a14:hiddenLine>
+            </a:ext>
+            <a:ext uri="{AF507438-7753-43E0-B8FC-AC1667EBCBE1}">
+              <a14:hiddenEffects xmlns:a14="http://schemas.microsoft.com/office/drawing/2010/main">
+                <a:effectLst>
+                  <a:outerShdw dist="35921" dir="2700000" algn="ctr" rotWithShape="0">
+                    <a:schemeClr val="bg2"/>
+                  </a:outerShdw>
+                </a:effectLst>
+              </a14:hiddenEffects>
+            </a:ext>
+          </a:extLst>
+        </p:spPr>
+        <p:txBody>
+          <a:bodyPr vert="horz" wrap="none" lIns="91440" tIns="45720" rIns="91440" bIns="45720" numCol="1" anchor="ctr" anchorCtr="0" compatLnSpc="1">
+            <a:prstTxWarp prst="textNoShape">
+              <a:avLst/>
+            </a:prstTxWarp>
+            <a:spAutoFit/>
+          </a:bodyPr>
+          <a:lstStyle/>
+          <a:p>
+            <a:endParaRPr lang="en-US"/>
+          </a:p>
+        </p:txBody>
+      </p:sp>
+      <p:graphicFrame>
+        <p:nvGraphicFramePr>
+          <p:cNvPr id="6" name="Object 5"/>
+          <p:cNvGraphicFramePr>
+            <a:graphicFrameLocks noChangeAspect="1"/>
+          </p:cNvGraphicFramePr>
+          <p:nvPr>
+            <p:extLst>
+              <p:ext uri="{D42A27DB-BD31-4B8C-83A1-F6EECF244321}">
+                <p14:modId xmlns:p14="http://schemas.microsoft.com/office/powerpoint/2010/main" val="580874881"/>
+              </p:ext>
+            </p:extLst>
+          </p:nvPr>
+        </p:nvGraphicFramePr>
+        <p:xfrm>
+          <a:off x="0" y="-1"/>
+          <a:ext cx="10828020" cy="7657097"/>
+        </p:xfrm>
+        <a:graphic>
+          <a:graphicData uri="http://schemas.openxmlformats.org/presentationml/2006/ole">
+            <mc:AlternateContent xmlns:mc="http://schemas.openxmlformats.org/markup-compatibility/2006">
+              <mc:Choice xmlns:v="urn:schemas-microsoft-com:vml" Requires="v">
+                <p:oleObj spid="_x0000_s1028" r:id="rId3" imgW="21364544" imgH="15078150" progId="Visio.Drawing.15">
+                  <p:embed/>
+                </p:oleObj>
+              </mc:Choice>
+              <mc:Fallback>
+                <p:oleObj r:id="rId3" imgW="21364544" imgH="15078150" progId="Visio.Drawing.15">
+                  <p:embed/>
+                  <p:pic>
+                    <p:nvPicPr>
+                      <p:cNvPr id="0" name="Object 1"/>
+                      <p:cNvPicPr>
+                        <a:picLocks noChangeAspect="1" noChangeArrowheads="1"/>
+                      </p:cNvPicPr>
+                      <p:nvPr/>
+                    </p:nvPicPr>
+                    <p:blipFill>
+                      <a:blip r:embed="rId4">
+                        <a:extLst>
+                          <a:ext uri="{28A0092B-C50C-407E-A947-70E740481C1C}">
+                            <a14:useLocalDpi xmlns:a14="http://schemas.microsoft.com/office/drawing/2010/main" val="0"/>
+                          </a:ext>
+                        </a:extLst>
+                      </a:blip>
+                      <a:srcRect/>
+                      <a:stretch>
+                        <a:fillRect/>
+                      </a:stretch>
+                    </p:blipFill>
+                    <p:spPr bwMode="auto">
+                      <a:xfrm>
+                        <a:off x="0" y="-1"/>
+                        <a:ext cx="10828020" cy="7657097"/>
+                      </a:xfrm>
+                      <a:prstGeom prst="rect">
+                        <a:avLst/>
+                      </a:prstGeom>
+                      <a:noFill/>
+                    </p:spPr>
+                  </p:pic>
+                </p:oleObj>
+              </mc:Fallback>
+            </mc:AlternateContent>
+          </a:graphicData>
+        </a:graphic>
+      </p:graphicFrame>
+    </p:spTree>
+    <p:extLst>
+      <p:ext uri="{BB962C8B-B14F-4D97-AF65-F5344CB8AC3E}">
+        <p14:creationId xmlns:p14="http://schemas.microsoft.com/office/powerpoint/2010/main" val="3722043651"/>
+      </p:ext>
+    </p:extLst>
+  </p:cSld>
+  <p:clrMapOvr>
+    <a:masterClrMapping/>
+  </p:clrMapOvr>
+</p:sld>
+</file>
+
 <file path=ppt/theme/theme1.xml><?xml version="1.0" encoding="utf-8"?>
 <a:theme xmlns:a="http://schemas.openxmlformats.org/drawingml/2006/main" name="Office 主题​​">
   <a:themeElements>
